--- a/Session 7.pptx
+++ b/Session 7.pptx
@@ -8,16 +8,17 @@
     <p:sldId id="256" r:id="rId2"/>
     <p:sldId id="272" r:id="rId3"/>
     <p:sldId id="273" r:id="rId4"/>
-    <p:sldId id="260" r:id="rId5"/>
-    <p:sldId id="264" r:id="rId6"/>
-    <p:sldId id="266" r:id="rId7"/>
-    <p:sldId id="271" r:id="rId8"/>
-    <p:sldId id="269" r:id="rId9"/>
-    <p:sldId id="270" r:id="rId10"/>
-    <p:sldId id="268" r:id="rId11"/>
-    <p:sldId id="267" r:id="rId12"/>
-    <p:sldId id="265" r:id="rId13"/>
-    <p:sldId id="261" r:id="rId14"/>
+    <p:sldId id="274" r:id="rId5"/>
+    <p:sldId id="260" r:id="rId6"/>
+    <p:sldId id="264" r:id="rId7"/>
+    <p:sldId id="266" r:id="rId8"/>
+    <p:sldId id="271" r:id="rId9"/>
+    <p:sldId id="269" r:id="rId10"/>
+    <p:sldId id="270" r:id="rId11"/>
+    <p:sldId id="268" r:id="rId12"/>
+    <p:sldId id="267" r:id="rId13"/>
+    <p:sldId id="265" r:id="rId14"/>
+    <p:sldId id="261" r:id="rId15"/>
   </p:sldIdLst>
   <p:sldSz cx="9144000" cy="6858000" type="letter"/>
   <p:notesSz cx="6858000" cy="9144000"/>
@@ -2974,7 +2975,7 @@
           <a:p>
             <a:r>
               <a:rPr lang="en-US" dirty="0"/>
-              <a:t>SESSION 7</a:t>
+              <a:t>SESSION 8</a:t>
             </a:r>
           </a:p>
         </p:txBody>
@@ -3014,7 +3015,7 @@
           <p:cNvPr id="2" name="Title 1">
             <a:extLst>
               <a:ext uri="{FF2B5EF4-FFF2-40B4-BE49-F238E27FC236}">
-                <a16:creationId xmlns:a16="http://schemas.microsoft.com/office/drawing/2014/main" id="{3A990726-27D8-4D44-844B-B167E7C93253}"/>
+                <a16:creationId xmlns:a16="http://schemas.microsoft.com/office/drawing/2014/main" id="{6FBFA536-0148-5F47-ABF8-507421A49BB4}"/>
               </a:ext>
             </a:extLst>
           </p:cNvPr>
@@ -3032,7 +3033,7 @@
           <a:p>
             <a:r>
               <a:rPr lang="en-US" dirty="0"/>
-              <a:t>Disruption risk</a:t>
+              <a:t>New governance structure/policies</a:t>
             </a:r>
           </a:p>
         </p:txBody>
@@ -3042,7 +3043,7 @@
           <p:cNvPr id="3" name="Content Placeholder 2">
             <a:extLst>
               <a:ext uri="{FF2B5EF4-FFF2-40B4-BE49-F238E27FC236}">
-                <a16:creationId xmlns:a16="http://schemas.microsoft.com/office/drawing/2014/main" id="{17B387B9-B92A-534B-BB84-A34CE1A39E68}"/>
+                <a16:creationId xmlns:a16="http://schemas.microsoft.com/office/drawing/2014/main" id="{9C71158B-7EE5-FE4C-B4E8-EDE60A5D2802}"/>
               </a:ext>
             </a:extLst>
           </p:cNvPr>
@@ -3060,27 +3061,26 @@
           <a:p>
             <a:r>
               <a:rPr lang="en-US" dirty="0"/>
-              <a:t>Guard against massive disruption</a:t>
-            </a:r>
-          </a:p>
-          <a:p>
-            <a:r>
-              <a:rPr lang="en-US" dirty="0"/>
-              <a:t>Justify our choices and clearly state motivations, document:</a:t>
+              <a:t>Document: This is the intended approach</a:t>
             </a:r>
           </a:p>
           <a:p>
             <a:pPr lvl="1"/>
             <a:r>
               <a:rPr lang="en-US" dirty="0"/>
-              <a:t>Design patterns</a:t>
-            </a:r>
-          </a:p>
-          <a:p>
-            <a:pPr lvl="1"/>
-            <a:r>
-              <a:rPr lang="en-US" dirty="0"/>
-              <a:t>Common solutions, best practices</a:t>
+              <a:t>policy reminder, contribution, BSD agreement, only public information, we don't do patent protection of any kind</a:t>
+            </a:r>
+          </a:p>
+          <a:p>
+            <a:r>
+              <a:rPr lang="en-US" dirty="0"/>
+              <a:t>Legal review of the statement we are making</a:t>
+            </a:r>
+          </a:p>
+          <a:p>
+            <a:r>
+              <a:rPr lang="en-US" dirty="0"/>
+              <a:t>Strawman statement, write it down</a:t>
             </a:r>
           </a:p>
         </p:txBody>
@@ -3088,7 +3088,7 @@
     </p:spTree>
     <p:extLst>
       <p:ext uri="{BB962C8B-B14F-4D97-AF65-F5344CB8AC3E}">
-        <p14:creationId xmlns:p14="http://schemas.microsoft.com/office/powerpoint/2010/main" val="597610624"/>
+        <p14:creationId xmlns:p14="http://schemas.microsoft.com/office/powerpoint/2010/main" val="108245498"/>
       </p:ext>
     </p:extLst>
   </p:cSld>
@@ -3117,7 +3117,13 @@
       </p:grpSpPr>
       <p:sp>
         <p:nvSpPr>
-          <p:cNvPr id="2" name="Title 1"/>
+          <p:cNvPr id="2" name="Title 1">
+            <a:extLst>
+              <a:ext uri="{FF2B5EF4-FFF2-40B4-BE49-F238E27FC236}">
+                <a16:creationId xmlns:a16="http://schemas.microsoft.com/office/drawing/2014/main" id="{3A990726-27D8-4D44-844B-B167E7C93253}"/>
+              </a:ext>
+            </a:extLst>
+          </p:cNvPr>
           <p:cNvSpPr>
             <a:spLocks noGrp="1"/>
           </p:cNvSpPr>
@@ -3125,26 +3131,27 @@
             <p:ph type="title"/>
           </p:nvPr>
         </p:nvSpPr>
-        <p:spPr>
-          <a:xfrm>
-            <a:off x="628650" y="365126"/>
-            <a:ext cx="7886700" cy="1325563"/>
-          </a:xfrm>
-        </p:spPr>
-        <p:txBody>
-          <a:bodyPr/>
-          <a:lstStyle/>
-          <a:p>
-            <a:r>
-              <a:rPr lang="en-US" dirty="0"/>
-              <a:t>Information and Policy  </a:t>
-            </a:r>
-          </a:p>
-        </p:txBody>
-      </p:sp>
-      <p:sp>
-        <p:nvSpPr>
-          <p:cNvPr id="3" name="Content Placeholder 2"/>
+        <p:spPr/>
+        <p:txBody>
+          <a:bodyPr/>
+          <a:lstStyle/>
+          <a:p>
+            <a:r>
+              <a:rPr lang="en-US" dirty="0"/>
+              <a:t>Disruption risk</a:t>
+            </a:r>
+          </a:p>
+        </p:txBody>
+      </p:sp>
+      <p:sp>
+        <p:nvSpPr>
+          <p:cNvPr id="3" name="Content Placeholder 2">
+            <a:extLst>
+              <a:ext uri="{FF2B5EF4-FFF2-40B4-BE49-F238E27FC236}">
+                <a16:creationId xmlns:a16="http://schemas.microsoft.com/office/drawing/2014/main" id="{17B387B9-B92A-534B-BB84-A34CE1A39E68}"/>
+              </a:ext>
+            </a:extLst>
+          </p:cNvPr>
           <p:cNvSpPr>
             <a:spLocks noGrp="1"/>
           </p:cNvSpPr>
@@ -3152,106 +3159,42 @@
             <p:ph idx="1"/>
           </p:nvPr>
         </p:nvSpPr>
-        <p:spPr>
-          <a:xfrm>
-            <a:off x="628650" y="1784061"/>
-            <a:ext cx="7886700" cy="4351338"/>
-          </a:xfrm>
-        </p:spPr>
-        <p:txBody>
-          <a:bodyPr>
-            <a:normAutofit fontScale="92500" lnSpcReduction="20000"/>
-          </a:bodyPr>
-          <a:lstStyle/>
-          <a:p>
-            <a:endParaRPr lang="en-US" dirty="0"/>
-          </a:p>
-          <a:p>
-            <a:r>
-              <a:rPr lang="en-US" dirty="0"/>
-              <a:t>Public info directory - start here</a:t>
+        <p:spPr/>
+        <p:txBody>
+          <a:bodyPr/>
+          <a:lstStyle/>
+          <a:p>
+            <a:r>
+              <a:rPr lang="en-US" dirty="0"/>
+              <a:t>Guard against massive disruption</a:t>
+            </a:r>
+          </a:p>
+          <a:p>
+            <a:r>
+              <a:rPr lang="en-US" dirty="0"/>
+              <a:t>Justify our choices and clearly state motivations, document:</a:t>
             </a:r>
           </a:p>
           <a:p>
             <a:pPr lvl="1"/>
             <a:r>
               <a:rPr lang="en-US" dirty="0"/>
-              <a:t>Wiki pages: FAQ and explainer materials, use cases</a:t>
+              <a:t>Design patterns</a:t>
             </a:r>
           </a:p>
           <a:p>
             <a:pPr lvl="1"/>
             <a:r>
               <a:rPr lang="en-US" dirty="0"/>
-              <a:t>Tutorial, getting started, how to guides</a:t>
-            </a:r>
-          </a:p>
-          <a:p>
-            <a:pPr lvl="1"/>
-            <a:r>
-              <a:rPr lang="en-US" dirty="0"/>
-              <a:t>Links to Tools and Examples, OCF, OMA</a:t>
-            </a:r>
-          </a:p>
-          <a:p>
-            <a:pPr lvl="1"/>
-            <a:r>
-              <a:rPr lang="en-US" dirty="0"/>
-              <a:t>FAQ - content and assembly</a:t>
-            </a:r>
-          </a:p>
-          <a:p>
-            <a:r>
-              <a:rPr lang="en-US" dirty="0"/>
-              <a:t>What is the organization? </a:t>
-            </a:r>
-          </a:p>
-          <a:p>
-            <a:r>
-              <a:rPr lang="en-US" dirty="0"/>
-              <a:t>Participation from outside the Liaison Group</a:t>
-            </a:r>
-          </a:p>
-          <a:p>
-            <a:r>
-              <a:rPr lang="en-US" dirty="0"/>
-              <a:t>Repository Management</a:t>
-            </a:r>
-          </a:p>
-          <a:p>
-            <a:pPr lvl="1"/>
-            <a:r>
-              <a:rPr lang="en-US" dirty="0"/>
-              <a:t>Namespace handling and acceptance criteria</a:t>
-            </a:r>
-          </a:p>
-          <a:p>
-            <a:pPr lvl="1"/>
-            <a:r>
-              <a:rPr lang="en-US" dirty="0"/>
-              <a:t>Version management integration</a:t>
-            </a:r>
-          </a:p>
-          <a:p>
-            <a:pPr lvl="1"/>
-            <a:r>
-              <a:rPr lang="en-US" dirty="0" err="1"/>
-              <a:t>odm</a:t>
-            </a:r>
-            <a:r>
-              <a:rPr lang="en-US" dirty="0"/>
-              <a:t> namespace, examples namespace</a:t>
-            </a:r>
-          </a:p>
-          <a:p>
-            <a:endParaRPr lang="en-US" dirty="0"/>
+              <a:t>Common solutions, best practices</a:t>
+            </a:r>
           </a:p>
         </p:txBody>
       </p:sp>
     </p:spTree>
     <p:extLst>
       <p:ext uri="{BB962C8B-B14F-4D97-AF65-F5344CB8AC3E}">
-        <p14:creationId xmlns:p14="http://schemas.microsoft.com/office/powerpoint/2010/main" val="364838508"/>
+        <p14:creationId xmlns:p14="http://schemas.microsoft.com/office/powerpoint/2010/main" val="597610624"/>
       </p:ext>
     </p:extLst>
   </p:cSld>
@@ -3288,6 +3231,169 @@
             <p:ph type="title"/>
           </p:nvPr>
         </p:nvSpPr>
+        <p:spPr>
+          <a:xfrm>
+            <a:off x="628650" y="365126"/>
+            <a:ext cx="7886700" cy="1325563"/>
+          </a:xfrm>
+        </p:spPr>
+        <p:txBody>
+          <a:bodyPr/>
+          <a:lstStyle/>
+          <a:p>
+            <a:r>
+              <a:rPr lang="en-US" dirty="0"/>
+              <a:t>Information and Policy  </a:t>
+            </a:r>
+          </a:p>
+        </p:txBody>
+      </p:sp>
+      <p:sp>
+        <p:nvSpPr>
+          <p:cNvPr id="3" name="Content Placeholder 2"/>
+          <p:cNvSpPr>
+            <a:spLocks noGrp="1"/>
+          </p:cNvSpPr>
+          <p:nvPr>
+            <p:ph idx="1"/>
+          </p:nvPr>
+        </p:nvSpPr>
+        <p:spPr>
+          <a:xfrm>
+            <a:off x="628650" y="1784061"/>
+            <a:ext cx="7886700" cy="4351338"/>
+          </a:xfrm>
+        </p:spPr>
+        <p:txBody>
+          <a:bodyPr>
+            <a:normAutofit fontScale="92500" lnSpcReduction="20000"/>
+          </a:bodyPr>
+          <a:lstStyle/>
+          <a:p>
+            <a:endParaRPr lang="en-US" dirty="0"/>
+          </a:p>
+          <a:p>
+            <a:r>
+              <a:rPr lang="en-US" dirty="0"/>
+              <a:t>Public info directory - start here</a:t>
+            </a:r>
+          </a:p>
+          <a:p>
+            <a:pPr lvl="1"/>
+            <a:r>
+              <a:rPr lang="en-US" dirty="0"/>
+              <a:t>Wiki pages: FAQ and explainer materials, use cases</a:t>
+            </a:r>
+          </a:p>
+          <a:p>
+            <a:pPr lvl="1"/>
+            <a:r>
+              <a:rPr lang="en-US" dirty="0"/>
+              <a:t>Tutorial, getting started, how to guides</a:t>
+            </a:r>
+          </a:p>
+          <a:p>
+            <a:pPr lvl="1"/>
+            <a:r>
+              <a:rPr lang="en-US" dirty="0"/>
+              <a:t>Links to Tools and Examples, OCF, OMA</a:t>
+            </a:r>
+          </a:p>
+          <a:p>
+            <a:pPr lvl="1"/>
+            <a:r>
+              <a:rPr lang="en-US" dirty="0"/>
+              <a:t>FAQ - content and assembly</a:t>
+            </a:r>
+          </a:p>
+          <a:p>
+            <a:r>
+              <a:rPr lang="en-US" dirty="0"/>
+              <a:t>What is the organization? </a:t>
+            </a:r>
+          </a:p>
+          <a:p>
+            <a:r>
+              <a:rPr lang="en-US" dirty="0"/>
+              <a:t>Participation from outside the Liaison Group</a:t>
+            </a:r>
+          </a:p>
+          <a:p>
+            <a:r>
+              <a:rPr lang="en-US" dirty="0"/>
+              <a:t>Repository Management</a:t>
+            </a:r>
+          </a:p>
+          <a:p>
+            <a:pPr lvl="1"/>
+            <a:r>
+              <a:rPr lang="en-US" dirty="0"/>
+              <a:t>Namespace handling and acceptance criteria</a:t>
+            </a:r>
+          </a:p>
+          <a:p>
+            <a:pPr lvl="1"/>
+            <a:r>
+              <a:rPr lang="en-US" dirty="0"/>
+              <a:t>Version management integration</a:t>
+            </a:r>
+          </a:p>
+          <a:p>
+            <a:pPr lvl="1"/>
+            <a:r>
+              <a:rPr lang="en-US" dirty="0" err="1"/>
+              <a:t>odm</a:t>
+            </a:r>
+            <a:r>
+              <a:rPr lang="en-US" dirty="0"/>
+              <a:t> namespace, examples namespace</a:t>
+            </a:r>
+          </a:p>
+          <a:p>
+            <a:endParaRPr lang="en-US" dirty="0"/>
+          </a:p>
+        </p:txBody>
+      </p:sp>
+    </p:spTree>
+    <p:extLst>
+      <p:ext uri="{BB962C8B-B14F-4D97-AF65-F5344CB8AC3E}">
+        <p14:creationId xmlns:p14="http://schemas.microsoft.com/office/powerpoint/2010/main" val="364838508"/>
+      </p:ext>
+    </p:extLst>
+  </p:cSld>
+  <p:clrMapOvr>
+    <a:masterClrMapping/>
+  </p:clrMapOvr>
+</p:sld>
+</file>
+
+<file path=ppt/slides/slide13.xml><?xml version="1.0" encoding="utf-8"?>
+<p:sld xmlns:a="http://schemas.openxmlformats.org/drawingml/2006/main" xmlns:r="http://schemas.openxmlformats.org/officeDocument/2006/relationships" xmlns:p="http://schemas.openxmlformats.org/presentationml/2006/main">
+  <p:cSld>
+    <p:spTree>
+      <p:nvGrpSpPr>
+        <p:cNvPr id="1" name=""/>
+        <p:cNvGrpSpPr/>
+        <p:nvPr/>
+      </p:nvGrpSpPr>
+      <p:grpSpPr>
+        <a:xfrm>
+          <a:off x="0" y="0"/>
+          <a:ext cx="0" cy="0"/>
+          <a:chOff x="0" y="0"/>
+          <a:chExt cx="0" cy="0"/>
+        </a:xfrm>
+      </p:grpSpPr>
+      <p:sp>
+        <p:nvSpPr>
+          <p:cNvPr id="2" name="Title 1"/>
+          <p:cNvSpPr>
+            <a:spLocks noGrp="1"/>
+          </p:cNvSpPr>
+          <p:nvPr>
+            <p:ph type="title"/>
+          </p:nvPr>
+        </p:nvSpPr>
         <p:spPr/>
         <p:txBody>
           <a:bodyPr/>
@@ -3351,7 +3457,7 @@
 </p:sld>
 </file>
 
-<file path=ppt/slides/slide13.xml><?xml version="1.0" encoding="utf-8"?>
+<file path=ppt/slides/slide14.xml><?xml version="1.0" encoding="utf-8"?>
 <p:sld xmlns:a="http://schemas.openxmlformats.org/drawingml/2006/main" xmlns:r="http://schemas.openxmlformats.org/officeDocument/2006/relationships" xmlns:p="http://schemas.openxmlformats.org/presentationml/2006/main">
   <p:cSld>
     <p:spTree>
@@ -3588,13 +3694,7 @@
           <a:p>
             <a:r>
               <a:rPr lang="en-US" dirty="0"/>
-              <a:t>Syntax Version</a:t>
-            </a:r>
-          </a:p>
-          <a:p>
-            <a:r>
-              <a:rPr lang="en-US" dirty="0"/>
-              <a:t>I-D preparation and review</a:t>
+              <a:t>Syntax Version </a:t>
             </a:r>
           </a:p>
           <a:p>
@@ -3681,57 +3781,86 @@
         </p:nvSpPr>
         <p:spPr/>
         <p:txBody>
-          <a:bodyPr/>
-          <a:lstStyle/>
-          <a:p>
-            <a:r>
-              <a:rPr lang="en-US" dirty="0"/>
-              <a:t>Website and entry points</a:t>
-            </a:r>
-          </a:p>
-          <a:p>
-            <a:r>
-              <a:rPr lang="en-US" dirty="0"/>
-              <a:t>Content</a:t>
+          <a:bodyPr>
+            <a:normAutofit lnSpcReduction="10000"/>
+          </a:bodyPr>
+          <a:lstStyle/>
+          <a:p>
+            <a:pPr marL="0" indent="0">
+              <a:buNone/>
+            </a:pPr>
+            <a:endParaRPr lang="en-US" dirty="0"/>
+          </a:p>
+          <a:p>
+            <a:r>
+              <a:rPr lang="en-US" dirty="0"/>
+              <a:t>Key Messages</a:t>
             </a:r>
           </a:p>
           <a:p>
             <a:pPr lvl="1"/>
             <a:r>
               <a:rPr lang="en-US" dirty="0"/>
-              <a:t>FAQs and Explainers</a:t>
-            </a:r>
-          </a:p>
-          <a:p>
-            <a:r>
-              <a:rPr lang="en-US" dirty="0"/>
-              <a:t>Public Statements and coordination</a:t>
-            </a:r>
-          </a:p>
-          <a:p>
-            <a:r>
-              <a:rPr lang="en-US" dirty="0"/>
-              <a:t>Participation</a:t>
-            </a:r>
-          </a:p>
-          <a:p>
-            <a:r>
-              <a:rPr lang="en-US" dirty="0"/>
-              <a:t>Governance – </a:t>
-            </a:r>
+              <a:t>Problem</a:t>
+            </a:r>
+          </a:p>
+          <a:p>
+            <a:pPr lvl="1"/>
+            <a:r>
+              <a:rPr lang="en-US" dirty="0"/>
+              <a:t>Language</a:t>
+            </a:r>
+          </a:p>
+          <a:p>
+            <a:pPr lvl="1"/>
+            <a:r>
+              <a:rPr lang="en-US" dirty="0"/>
+              <a:t>Sharing Existing Data Models</a:t>
+            </a:r>
+          </a:p>
+          <a:p>
+            <a:pPr lvl="1"/>
+            <a:r>
+              <a:rPr lang="en-US" dirty="0"/>
+              <a:t>North Star</a:t>
+            </a:r>
+          </a:p>
+          <a:p>
+            <a:r>
+              <a:rPr lang="en-US" dirty="0"/>
+              <a:t>Open Structure</a:t>
+            </a:r>
+          </a:p>
+          <a:p>
+            <a:pPr lvl="1"/>
             <a:r>
               <a:rPr lang="en-US" dirty="0" err="1"/>
-              <a:t>downselection</a:t>
-            </a:r>
-            <a:r>
-              <a:rPr lang="en-US" dirty="0"/>
-              <a:t>, </a:t>
-            </a:r>
-            <a:r>
-              <a:rPr lang="en-US" dirty="0" err="1"/>
-              <a:t>etc</a:t>
-            </a:r>
-            <a:endParaRPr lang="en-US" dirty="0"/>
+              <a:t>Organisation</a:t>
+            </a:r>
+            <a:r>
+              <a:rPr lang="en-US" dirty="0"/>
+              <a:t>, IPR, Meetings</a:t>
+            </a:r>
+          </a:p>
+          <a:p>
+            <a:pPr lvl="2"/>
+            <a:r>
+              <a:rPr lang="en-US" dirty="0"/>
+              <a:t>Getting agreement from current participants</a:t>
+            </a:r>
+          </a:p>
+          <a:p>
+            <a:pPr lvl="1"/>
+            <a:r>
+              <a:rPr lang="en-US" dirty="0"/>
+              <a:t>Collaboration Website</a:t>
+            </a:r>
+          </a:p>
+          <a:p>
+            <a:r>
+              <a:rPr lang="en-US" dirty="0"/>
+              <a:t>Messaging Channels</a:t>
+            </a:r>
           </a:p>
         </p:txBody>
       </p:sp>
@@ -3767,7 +3896,13 @@
       </p:grpSpPr>
       <p:sp>
         <p:nvSpPr>
-          <p:cNvPr id="2" name="Title 1"/>
+          <p:cNvPr id="2" name="Title 1">
+            <a:extLst>
+              <a:ext uri="{FF2B5EF4-FFF2-40B4-BE49-F238E27FC236}">
+                <a16:creationId xmlns:a16="http://schemas.microsoft.com/office/drawing/2014/main" id="{4BE7474D-0AB1-0245-B013-C976B3CD1859}"/>
+              </a:ext>
+            </a:extLst>
+          </p:cNvPr>
           <p:cNvSpPr>
             <a:spLocks noGrp="1"/>
           </p:cNvSpPr>
@@ -3775,34 +3910,27 @@
             <p:ph type="title"/>
           </p:nvPr>
         </p:nvSpPr>
-        <p:spPr>
-          <a:xfrm>
-            <a:off x="628650" y="365126"/>
-            <a:ext cx="7886700" cy="1325563"/>
-          </a:xfrm>
-        </p:spPr>
-        <p:txBody>
-          <a:bodyPr/>
-          <a:lstStyle/>
-          <a:p>
-            <a:r>
-              <a:rPr lang="en-US" dirty="0"/>
-              <a:t>Topics </a:t>
-            </a:r>
-            <a:r>
-              <a:rPr lang="mr-IN" dirty="0"/>
-              <a:t>–</a:t>
-            </a:r>
-            <a:r>
-              <a:rPr lang="en-US" dirty="0"/>
-              <a:t> Information and Policy  </a:t>
-            </a:r>
-          </a:p>
-        </p:txBody>
-      </p:sp>
-      <p:sp>
-        <p:nvSpPr>
-          <p:cNvPr id="3" name="Content Placeholder 2"/>
+        <p:spPr/>
+        <p:txBody>
+          <a:bodyPr/>
+          <a:lstStyle/>
+          <a:p>
+            <a:r>
+              <a:rPr lang="en-US" dirty="0"/>
+              <a:t>Nontechnical Agenda</a:t>
+            </a:r>
+          </a:p>
+        </p:txBody>
+      </p:sp>
+      <p:sp>
+        <p:nvSpPr>
+          <p:cNvPr id="3" name="Content Placeholder 2">
+            <a:extLst>
+              <a:ext uri="{FF2B5EF4-FFF2-40B4-BE49-F238E27FC236}">
+                <a16:creationId xmlns:a16="http://schemas.microsoft.com/office/drawing/2014/main" id="{99E27FBC-9E2F-344D-B600-D30045F569E8}"/>
+              </a:ext>
+            </a:extLst>
+          </p:cNvPr>
           <p:cNvSpPr>
             <a:spLocks noGrp="1"/>
           </p:cNvSpPr>
@@ -3810,88 +3938,58 @@
             <p:ph idx="1"/>
           </p:nvPr>
         </p:nvSpPr>
-        <p:spPr>
-          <a:xfrm>
-            <a:off x="628650" y="1784061"/>
-            <a:ext cx="7886700" cy="4351338"/>
-          </a:xfrm>
-        </p:spPr>
-        <p:txBody>
-          <a:bodyPr>
-            <a:normAutofit lnSpcReduction="10000"/>
-          </a:bodyPr>
-          <a:lstStyle/>
-          <a:p>
-            <a:r>
-              <a:rPr lang="en-US" dirty="0"/>
-              <a:t>Public info directory - start here</a:t>
+        <p:spPr/>
+        <p:txBody>
+          <a:bodyPr/>
+          <a:lstStyle/>
+          <a:p>
+            <a:r>
+              <a:rPr lang="en-US" dirty="0"/>
+              <a:t>Website and entry points</a:t>
+            </a:r>
+          </a:p>
+          <a:p>
+            <a:r>
+              <a:rPr lang="en-US" dirty="0"/>
+              <a:t>Content</a:t>
             </a:r>
           </a:p>
           <a:p>
             <a:pPr lvl="1"/>
             <a:r>
               <a:rPr lang="en-US" dirty="0"/>
-              <a:t>Wiki pages: FAQ and explainer materials, use cases</a:t>
-            </a:r>
-          </a:p>
-          <a:p>
-            <a:pPr lvl="1"/>
-            <a:r>
-              <a:rPr lang="en-US" dirty="0"/>
-              <a:t>Tutorial, getting started, how to guides</a:t>
-            </a:r>
-          </a:p>
-          <a:p>
-            <a:pPr lvl="1"/>
-            <a:r>
-              <a:rPr lang="en-US" dirty="0"/>
-              <a:t>Links to Tools and Examples, OCF, OMA</a:t>
-            </a:r>
-          </a:p>
-          <a:p>
-            <a:r>
-              <a:rPr lang="en-US" dirty="0"/>
-              <a:t>FAQ - content and assembly</a:t>
-            </a:r>
-          </a:p>
-          <a:p>
-            <a:r>
-              <a:rPr lang="en-US" dirty="0"/>
-              <a:t>Repository Management</a:t>
-            </a:r>
-          </a:p>
-          <a:p>
-            <a:pPr lvl="1"/>
-            <a:r>
-              <a:rPr lang="en-US" dirty="0"/>
-              <a:t>Namespace handling and acceptance criteria</a:t>
-            </a:r>
-          </a:p>
-          <a:p>
-            <a:pPr lvl="1"/>
-            <a:r>
-              <a:rPr lang="en-US" dirty="0"/>
-              <a:t>Version management integration</a:t>
-            </a:r>
-          </a:p>
-          <a:p>
-            <a:pPr lvl="1"/>
+              <a:t>FAQs and Explainers</a:t>
+            </a:r>
+          </a:p>
+          <a:p>
+            <a:r>
+              <a:rPr lang="en-US" dirty="0"/>
+              <a:t>Public Statements and coordination</a:t>
+            </a:r>
+          </a:p>
+          <a:p>
+            <a:r>
+              <a:rPr lang="en-US" dirty="0"/>
+              <a:t>Participation</a:t>
+            </a:r>
+          </a:p>
+          <a:p>
+            <a:r>
+              <a:rPr lang="en-US" dirty="0"/>
+              <a:t>Governance – </a:t>
+            </a:r>
             <a:r>
               <a:rPr lang="en-US" dirty="0" err="1"/>
-              <a:t>odm</a:t>
-            </a:r>
-            <a:r>
-              <a:rPr lang="en-US" dirty="0"/>
-              <a:t> namespace, examples namespace</a:t>
-            </a:r>
-          </a:p>
-          <a:p>
-            <a:r>
-              <a:rPr lang="en-US" dirty="0"/>
-              <a:t>Participation from outside the Liaison Group</a:t>
-            </a:r>
-          </a:p>
-          <a:p>
+              <a:t>downselection</a:t>
+            </a:r>
+            <a:r>
+              <a:rPr lang="en-US" dirty="0"/>
+              <a:t>, </a:t>
+            </a:r>
+            <a:r>
+              <a:rPr lang="en-US" dirty="0" err="1"/>
+              <a:t>etc</a:t>
+            </a:r>
             <a:endParaRPr lang="en-US" dirty="0"/>
           </a:p>
         </p:txBody>
@@ -3899,7 +3997,7 @@
     </p:spTree>
     <p:extLst>
       <p:ext uri="{BB962C8B-B14F-4D97-AF65-F5344CB8AC3E}">
-        <p14:creationId xmlns:p14="http://schemas.microsoft.com/office/powerpoint/2010/main" val="1753567709"/>
+        <p14:creationId xmlns:p14="http://schemas.microsoft.com/office/powerpoint/2010/main" val="4074922926"/>
       </p:ext>
     </p:extLst>
   </p:cSld>
@@ -3938,7 +4036,7 @@
         </p:nvSpPr>
         <p:spPr>
           <a:xfrm>
-            <a:off x="628650" y="0"/>
+            <a:off x="628650" y="365126"/>
             <a:ext cx="7886700" cy="1325563"/>
           </a:xfrm>
         </p:spPr>
@@ -3948,7 +4046,15 @@
           <a:p>
             <a:r>
               <a:rPr lang="en-US" dirty="0"/>
-              <a:t>Business Topics - nontechnical</a:t>
+              <a:t>Topics </a:t>
+            </a:r>
+            <a:r>
+              <a:rPr lang="mr-IN" dirty="0"/>
+              <a:t>–</a:t>
+            </a:r>
+            <a:r>
+              <a:rPr lang="en-US" dirty="0"/>
+              <a:t> Information and Policy  </a:t>
             </a:r>
           </a:p>
         </p:txBody>
@@ -3965,111 +4071,94 @@
         </p:nvSpPr>
         <p:spPr>
           <a:xfrm>
-            <a:off x="628650" y="1223097"/>
-            <a:ext cx="7886700" cy="5021839"/>
+            <a:off x="628650" y="1784061"/>
+            <a:ext cx="7886700" cy="4351338"/>
           </a:xfrm>
         </p:spPr>
         <p:txBody>
-          <a:bodyPr/>
-          <a:lstStyle/>
-          <a:p>
-            <a:r>
-              <a:rPr lang="en-US" dirty="0"/>
-              <a:t>Business Topics - nontechnical (1-2)</a:t>
+          <a:bodyPr>
+            <a:normAutofit lnSpcReduction="10000"/>
+          </a:bodyPr>
+          <a:lstStyle/>
+          <a:p>
+            <a:r>
+              <a:rPr lang="en-US" dirty="0"/>
+              <a:t>Public info directory - start here</a:t>
             </a:r>
           </a:p>
           <a:p>
             <a:pPr lvl="1"/>
             <a:r>
               <a:rPr lang="en-US" dirty="0"/>
-              <a:t>Liaison++, Invitations</a:t>
+              <a:t>Wiki pages: FAQ and explainer materials, use cases</a:t>
             </a:r>
           </a:p>
           <a:p>
             <a:pPr lvl="1"/>
             <a:r>
               <a:rPr lang="en-US" dirty="0"/>
-              <a:t>Who can do what communication, blogs, articles, what is public, how do we get out a consistent message, what is the message</a:t>
+              <a:t>Tutorial, getting started, how to guides</a:t>
             </a:r>
           </a:p>
           <a:p>
             <a:pPr lvl="1"/>
             <a:r>
               <a:rPr lang="en-US" dirty="0"/>
-              <a:t>Language vs. published models (north star for industry convergence) Language -&gt; contribution -&gt; convergence</a:t>
+              <a:t>Links to Tools and Examples, OCF, OMA</a:t>
+            </a:r>
+          </a:p>
+          <a:p>
+            <a:r>
+              <a:rPr lang="en-US" dirty="0"/>
+              <a:t>FAQ - content and assembly</a:t>
+            </a:r>
+          </a:p>
+          <a:p>
+            <a:r>
+              <a:rPr lang="en-US" dirty="0"/>
+              <a:t>Repository Management</a:t>
             </a:r>
           </a:p>
           <a:p>
             <a:pPr lvl="1"/>
             <a:r>
               <a:rPr lang="en-US" dirty="0"/>
-              <a:t>Going forward </a:t>
-            </a:r>
-            <a:r>
-              <a:rPr lang="mr-IN" dirty="0"/>
-              <a:t>–</a:t>
-            </a:r>
-            <a:r>
-              <a:rPr lang="en-US" dirty="0"/>
-              <a:t> make it easy for </a:t>
-            </a:r>
+              <a:t>Namespace handling and acceptance criteria</a:t>
+            </a:r>
+          </a:p>
+          <a:p>
+            <a:pPr lvl="1"/>
+            <a:r>
+              <a:rPr lang="en-US" dirty="0"/>
+              <a:t>Version management integration</a:t>
+            </a:r>
+          </a:p>
+          <a:p>
+            <a:pPr lvl="1"/>
             <a:r>
               <a:rPr lang="en-US" dirty="0" err="1"/>
-              <a:t>ppl</a:t>
-            </a:r>
-            <a:r>
-              <a:rPr lang="en-US" dirty="0"/>
-              <a:t> to contribute/join and participate </a:t>
-            </a:r>
-            <a:r>
-              <a:rPr lang="mr-IN" dirty="0"/>
-              <a:t>–</a:t>
-            </a:r>
-            <a:r>
-              <a:rPr lang="en-US" dirty="0"/>
-              <a:t> co-develop the process for </a:t>
-            </a:r>
-            <a:r>
-              <a:rPr lang="en-US" dirty="0" err="1"/>
-              <a:t>downselect</a:t>
-            </a:r>
+              <a:t>odm</a:t>
+            </a:r>
+            <a:r>
+              <a:rPr lang="en-US" dirty="0"/>
+              <a:t> namespace, examples namespace</a:t>
+            </a:r>
+          </a:p>
+          <a:p>
+            <a:r>
+              <a:rPr lang="en-US" dirty="0"/>
+              <a:t>Participation from outside the Liaison Group</a:t>
+            </a:r>
+          </a:p>
+          <a:p>
             <a:endParaRPr lang="en-US" dirty="0"/>
-          </a:p>
-          <a:p>
-            <a:pPr lvl="1"/>
-            <a:r>
-              <a:rPr lang="en-US" dirty="0"/>
-              <a:t>OCF WG allows NDA discussions or can be non-IPR </a:t>
-            </a:r>
-          </a:p>
-          <a:p>
-            <a:pPr lvl="1"/>
-            <a:r>
-              <a:rPr lang="en-US" dirty="0"/>
-              <a:t>Get feedback from our internal org</a:t>
-            </a:r>
-          </a:p>
-          <a:p>
-            <a:pPr lvl="1"/>
-            <a:r>
-              <a:rPr lang="en-US" dirty="0"/>
-              <a:t>Participation agreement </a:t>
-            </a:r>
-            <a:r>
-              <a:rPr lang="mr-IN" dirty="0"/>
-              <a:t>–</a:t>
-            </a:r>
-            <a:r>
-              <a:rPr lang="en-US" dirty="0"/>
-              <a:t> copyright assignment? BSD3 governing document</a:t>
-            </a:r>
           </a:p>
         </p:txBody>
       </p:sp>
     </p:spTree>
     <p:extLst>
       <p:ext uri="{BB962C8B-B14F-4D97-AF65-F5344CB8AC3E}">
-        <p14:creationId xmlns:p14="http://schemas.microsoft.com/office/powerpoint/2010/main" val="462168974"/>
+        <p14:creationId xmlns:p14="http://schemas.microsoft.com/office/powerpoint/2010/main" val="1753567709"/>
       </p:ext>
     </p:extLst>
   </p:cSld>
@@ -4108,7 +4197,7 @@
         </p:nvSpPr>
         <p:spPr>
           <a:xfrm>
-            <a:off x="628650" y="365126"/>
+            <a:off x="628650" y="0"/>
             <a:ext cx="7886700" cy="1325563"/>
           </a:xfrm>
         </p:spPr>
@@ -4118,7 +4207,7 @@
           <a:p>
             <a:r>
               <a:rPr lang="en-US" dirty="0"/>
-              <a:t>Announcements and statements</a:t>
+              <a:t>Business Topics - nontechnical</a:t>
             </a:r>
           </a:p>
         </p:txBody>
@@ -4135,123 +4224,111 @@
         </p:nvSpPr>
         <p:spPr>
           <a:xfrm>
-            <a:off x="628650" y="1784061"/>
-            <a:ext cx="7886700" cy="4351338"/>
+            <a:off x="628650" y="1223097"/>
+            <a:ext cx="7886700" cy="5021839"/>
           </a:xfrm>
         </p:spPr>
         <p:txBody>
-          <a:bodyPr>
-            <a:normAutofit fontScale="92500" lnSpcReduction="20000"/>
-          </a:bodyPr>
-          <a:lstStyle/>
-          <a:p>
-            <a:r>
-              <a:rPr lang="en-US" dirty="0"/>
-              <a:t>Make the collaboration known</a:t>
+          <a:bodyPr/>
+          <a:lstStyle/>
+          <a:p>
+            <a:r>
+              <a:rPr lang="en-US" dirty="0"/>
+              <a:t>Business Topics - nontechnical (1-2)</a:t>
             </a:r>
           </a:p>
           <a:p>
             <a:pPr lvl="1"/>
             <a:r>
               <a:rPr lang="en-US" dirty="0"/>
-              <a:t>Language enables </a:t>
-            </a:r>
-          </a:p>
-          <a:p>
-            <a:pPr lvl="2"/>
-            <a:r>
-              <a:rPr lang="en-US" dirty="0"/>
-              <a:t>Sharing</a:t>
-            </a:r>
-          </a:p>
-          <a:p>
-            <a:pPr lvl="2"/>
-            <a:r>
-              <a:rPr lang="en-US" dirty="0"/>
-              <a:t>reuse, </a:t>
-            </a:r>
-          </a:p>
-          <a:p>
-            <a:pPr lvl="2"/>
-            <a:r>
-              <a:rPr lang="en-US" dirty="0"/>
-              <a:t>effort opt, </a:t>
-            </a:r>
-          </a:p>
-          <a:p>
-            <a:pPr lvl="2"/>
-            <a:r>
-              <a:rPr lang="en-US" dirty="0"/>
-              <a:t>translation capability) and the </a:t>
-            </a:r>
-          </a:p>
-          <a:p>
-            <a:pPr lvl="2"/>
-            <a:r>
-              <a:rPr lang="en-US" dirty="0"/>
-              <a:t>north star data model</a:t>
+              <a:t>Liaison++, Invitations</a:t>
             </a:r>
           </a:p>
           <a:p>
             <a:pPr lvl="1"/>
             <a:r>
               <a:rPr lang="en-US" dirty="0"/>
-              <a:t>Message: </a:t>
-            </a:r>
-          </a:p>
-          <a:p>
-            <a:pPr lvl="2"/>
-            <a:r>
-              <a:rPr lang="en-US" dirty="0"/>
-              <a:t>Who's the audience, what do we want them to understand/do?</a:t>
-            </a:r>
-          </a:p>
-          <a:p>
-            <a:pPr lvl="2"/>
-            <a:r>
-              <a:rPr lang="en-US" dirty="0"/>
-              <a:t>Not a new organization, ongoing collaboration between known entities – we are already delivering value; laying groundwork and lowering the bar for a north star model, </a:t>
+              <a:t>Who can do what communication, blogs, articles, what is public, how do we get out a consistent message, what is the message</a:t>
+            </a:r>
+          </a:p>
+          <a:p>
+            <a:pPr lvl="1"/>
+            <a:r>
+              <a:rPr lang="en-US" dirty="0"/>
+              <a:t>Language vs. published models (north star for industry convergence) Language -&gt; contribution -&gt; convergence</a:t>
+            </a:r>
+          </a:p>
+          <a:p>
+            <a:pPr lvl="1"/>
+            <a:r>
+              <a:rPr lang="en-US" dirty="0"/>
+              <a:t>Going forward </a:t>
+            </a:r>
+            <a:r>
+              <a:rPr lang="mr-IN" dirty="0"/>
+              <a:t>–</a:t>
+            </a:r>
+            <a:r>
+              <a:rPr lang="en-US" dirty="0"/>
+              <a:t> make it easy for </a:t>
             </a:r>
             <a:r>
               <a:rPr lang="en-US" dirty="0" err="1"/>
-              <a:t>etc</a:t>
-            </a:r>
-            <a:r>
-              <a:rPr lang="en-US" dirty="0"/>
-              <a:t> make it easy to engage</a:t>
-            </a:r>
-          </a:p>
-          <a:p>
-            <a:pPr lvl="2"/>
-            <a:r>
-              <a:rPr lang="en-US" dirty="0"/>
-              <a:t>Community of data model experts, developers, users</a:t>
-            </a:r>
-          </a:p>
-          <a:p>
-            <a:pPr lvl="2"/>
-            <a:r>
-              <a:rPr lang="en-US" dirty="0"/>
-              <a:t>Message for industry, not so much the general public</a:t>
-            </a:r>
-          </a:p>
-          <a:p>
-            <a:pPr lvl="2"/>
-            <a:r>
-              <a:rPr lang="en-US" dirty="0"/>
-              <a:t>you can start using it now</a:t>
-            </a:r>
-          </a:p>
-          <a:p>
-            <a:pPr lvl="2"/>
+              <a:t>ppl</a:t>
+            </a:r>
+            <a:r>
+              <a:rPr lang="en-US" dirty="0"/>
+              <a:t> to contribute/join and participate </a:t>
+            </a:r>
+            <a:r>
+              <a:rPr lang="mr-IN" dirty="0"/>
+              <a:t>–</a:t>
+            </a:r>
+            <a:r>
+              <a:rPr lang="en-US" dirty="0"/>
+              <a:t> co-develop the process for </a:t>
+            </a:r>
+            <a:r>
+              <a:rPr lang="en-US" dirty="0" err="1"/>
+              <a:t>downselect</a:t>
+            </a:r>
             <a:endParaRPr lang="en-US" dirty="0"/>
+          </a:p>
+          <a:p>
+            <a:pPr lvl="1"/>
+            <a:r>
+              <a:rPr lang="en-US" dirty="0"/>
+              <a:t>OCF WG allows NDA discussions or can be non-IPR </a:t>
+            </a:r>
+          </a:p>
+          <a:p>
+            <a:pPr lvl="1"/>
+            <a:r>
+              <a:rPr lang="en-US" dirty="0"/>
+              <a:t>Get feedback from our internal org</a:t>
+            </a:r>
+          </a:p>
+          <a:p>
+            <a:pPr lvl="1"/>
+            <a:r>
+              <a:rPr lang="en-US" dirty="0"/>
+              <a:t>Participation agreement </a:t>
+            </a:r>
+            <a:r>
+              <a:rPr lang="mr-IN" dirty="0"/>
+              <a:t>–</a:t>
+            </a:r>
+            <a:r>
+              <a:rPr lang="en-US" dirty="0"/>
+              <a:t> copyright assignment? BSD3 governing document</a:t>
+            </a:r>
           </a:p>
         </p:txBody>
       </p:sp>
     </p:spTree>
     <p:extLst>
       <p:ext uri="{BB962C8B-B14F-4D97-AF65-F5344CB8AC3E}">
-        <p14:creationId xmlns:p14="http://schemas.microsoft.com/office/powerpoint/2010/main" val="842873565"/>
+        <p14:creationId xmlns:p14="http://schemas.microsoft.com/office/powerpoint/2010/main" val="462168974"/>
       </p:ext>
     </p:extLst>
   </p:cSld>
@@ -4280,13 +4357,7 @@
       </p:grpSpPr>
       <p:sp>
         <p:nvSpPr>
-          <p:cNvPr id="2" name="Title 1">
-            <a:extLst>
-              <a:ext uri="{FF2B5EF4-FFF2-40B4-BE49-F238E27FC236}">
-                <a16:creationId xmlns:a16="http://schemas.microsoft.com/office/drawing/2014/main" id="{6ED61206-C84A-C84E-B701-FC50FAFD9BB1}"/>
-              </a:ext>
-            </a:extLst>
-          </p:cNvPr>
+          <p:cNvPr id="2" name="Title 1"/>
           <p:cNvSpPr>
             <a:spLocks noGrp="1"/>
           </p:cNvSpPr>
@@ -4294,27 +4365,26 @@
             <p:ph type="title"/>
           </p:nvPr>
         </p:nvSpPr>
-        <p:spPr/>
-        <p:txBody>
-          <a:bodyPr/>
-          <a:lstStyle/>
-          <a:p>
-            <a:r>
-              <a:rPr lang="en-US" dirty="0"/>
-              <a:t>Where do ppl go?</a:t>
-            </a:r>
-          </a:p>
-        </p:txBody>
-      </p:sp>
-      <p:sp>
-        <p:nvSpPr>
-          <p:cNvPr id="3" name="Content Placeholder 2">
-            <a:extLst>
-              <a:ext uri="{FF2B5EF4-FFF2-40B4-BE49-F238E27FC236}">
-                <a16:creationId xmlns:a16="http://schemas.microsoft.com/office/drawing/2014/main" id="{0C486484-B7A6-824C-977A-7755D78F6DFD}"/>
-              </a:ext>
-            </a:extLst>
-          </p:cNvPr>
+        <p:spPr>
+          <a:xfrm>
+            <a:off x="628650" y="365126"/>
+            <a:ext cx="7886700" cy="1325563"/>
+          </a:xfrm>
+        </p:spPr>
+        <p:txBody>
+          <a:bodyPr/>
+          <a:lstStyle/>
+          <a:p>
+            <a:r>
+              <a:rPr lang="en-US" dirty="0"/>
+              <a:t>Announcements and statements</a:t>
+            </a:r>
+          </a:p>
+        </p:txBody>
+      </p:sp>
+      <p:sp>
+        <p:nvSpPr>
+          <p:cNvPr id="3" name="Content Placeholder 2"/>
           <p:cNvSpPr>
             <a:spLocks noGrp="1"/>
           </p:cNvSpPr>
@@ -4322,111 +4392,117 @@
             <p:ph idx="1"/>
           </p:nvPr>
         </p:nvSpPr>
-        <p:spPr/>
+        <p:spPr>
+          <a:xfrm>
+            <a:off x="628650" y="1784061"/>
+            <a:ext cx="7886700" cy="4351338"/>
+          </a:xfrm>
+        </p:spPr>
         <p:txBody>
           <a:bodyPr>
-            <a:normAutofit lnSpcReduction="10000"/>
+            <a:normAutofit fontScale="92500" lnSpcReduction="20000"/>
           </a:bodyPr>
           <a:lstStyle/>
           <a:p>
             <a:r>
+              <a:rPr lang="en-US" dirty="0"/>
+              <a:t>Make the collaboration known</a:t>
+            </a:r>
+          </a:p>
+          <a:p>
+            <a:pPr lvl="1"/>
+            <a:r>
+              <a:rPr lang="en-US" dirty="0"/>
+              <a:t>Language enables </a:t>
+            </a:r>
+          </a:p>
+          <a:p>
+            <a:pPr lvl="2"/>
+            <a:r>
+              <a:rPr lang="en-US" dirty="0"/>
+              <a:t>Sharing</a:t>
+            </a:r>
+          </a:p>
+          <a:p>
+            <a:pPr lvl="2"/>
+            <a:r>
+              <a:rPr lang="en-US" dirty="0"/>
+              <a:t>reuse, </a:t>
+            </a:r>
+          </a:p>
+          <a:p>
+            <a:pPr lvl="2"/>
+            <a:r>
+              <a:rPr lang="en-US" dirty="0"/>
+              <a:t>effort opt, </a:t>
+            </a:r>
+          </a:p>
+          <a:p>
+            <a:pPr lvl="2"/>
+            <a:r>
+              <a:rPr lang="en-US" dirty="0"/>
+              <a:t>translation capability) and the </a:t>
+            </a:r>
+          </a:p>
+          <a:p>
+            <a:pPr lvl="2"/>
+            <a:r>
+              <a:rPr lang="en-US" dirty="0"/>
+              <a:t>north star data model</a:t>
+            </a:r>
+          </a:p>
+          <a:p>
+            <a:pPr lvl="1"/>
+            <a:r>
+              <a:rPr lang="en-US" dirty="0"/>
+              <a:t>Message: </a:t>
+            </a:r>
+          </a:p>
+          <a:p>
+            <a:pPr lvl="2"/>
+            <a:r>
+              <a:rPr lang="en-US" dirty="0"/>
+              <a:t>Who's the audience, what do we want them to understand/do?</a:t>
+            </a:r>
+          </a:p>
+          <a:p>
+            <a:pPr lvl="2"/>
+            <a:r>
+              <a:rPr lang="en-US" dirty="0"/>
+              <a:t>Not a new organization, ongoing collaboration between known entities – we are already delivering value; laying groundwork and lowering the bar for a north star model, </a:t>
+            </a:r>
+            <a:r>
               <a:rPr lang="en-US" dirty="0" err="1"/>
-              <a:t>Github</a:t>
-            </a:r>
-            <a:r>
-              <a:rPr lang="en-US" dirty="0"/>
-              <a:t> based</a:t>
-            </a:r>
-          </a:p>
-          <a:p>
-            <a:r>
-              <a:rPr lang="en-US" dirty="0"/>
-              <a:t>Web conferences can't go through GH</a:t>
-            </a:r>
-          </a:p>
-          <a:p>
-            <a:r>
-              <a:rPr lang="en-US" dirty="0" err="1"/>
-              <a:t>Iotliaison.org</a:t>
-            </a:r>
-            <a:r>
-              <a:rPr lang="en-US" dirty="0"/>
-              <a:t> is available</a:t>
-            </a:r>
-          </a:p>
-          <a:p>
-            <a:r>
-              <a:rPr lang="en-US" dirty="0"/>
-              <a:t>Stable URL/domain name</a:t>
-            </a:r>
-          </a:p>
-          <a:p>
-            <a:r>
-              <a:rPr lang="en-US" dirty="0" err="1"/>
-              <a:t>onedm.org</a:t>
-            </a:r>
-            <a:r>
-              <a:rPr lang="en-US" dirty="0"/>
-              <a:t> is ours – what do we want our public name to be?</a:t>
-            </a:r>
-          </a:p>
-          <a:p>
-            <a:r>
-              <a:rPr lang="en-US" dirty="0"/>
-              <a:t>Redirect to </a:t>
-            </a:r>
-            <a:r>
-              <a:rPr lang="en-US" dirty="0" err="1"/>
-              <a:t>github</a:t>
-            </a:r>
-            <a:r>
-              <a:rPr lang="en-US" dirty="0"/>
-              <a:t> pages</a:t>
-            </a:r>
-          </a:p>
-          <a:p>
-            <a:r>
-              <a:rPr lang="en-US" dirty="0"/>
-              <a:t>one-data-</a:t>
-            </a:r>
-            <a:r>
-              <a:rPr lang="en-US" dirty="0" err="1"/>
-              <a:t>model.github.io</a:t>
-            </a:r>
-            <a:r>
-              <a:rPr lang="en-US" dirty="0"/>
-              <a:t> </a:t>
-            </a:r>
-          </a:p>
-          <a:p>
-            <a:r>
-              <a:rPr lang="en-US" dirty="0"/>
-              <a:t>Look at </a:t>
-            </a:r>
-            <a:r>
-              <a:rPr lang="en-US" dirty="0" err="1"/>
-              <a:t>coap.technology</a:t>
-            </a:r>
-            <a:r>
-              <a:rPr lang="en-US" dirty="0"/>
-              <a:t> and </a:t>
-            </a:r>
-            <a:r>
-              <a:rPr lang="en-US" dirty="0" err="1"/>
-              <a:t>cbor.io</a:t>
-            </a:r>
-            <a:r>
-              <a:rPr lang="en-US" dirty="0"/>
-              <a:t> </a:t>
-            </a:r>
-          </a:p>
-          <a:p>
-            <a:pPr marL="0" indent="0">
-              <a:buNone/>
-            </a:pPr>
-            <a:endParaRPr lang="en-US" dirty="0"/>
-          </a:p>
-          <a:p>
+              <a:t>etc</a:t>
+            </a:r>
+            <a:r>
+              <a:rPr lang="en-US" dirty="0"/>
+              <a:t> make it easy to engage</a:t>
+            </a:r>
+          </a:p>
+          <a:p>
+            <a:pPr lvl="2"/>
+            <a:r>
+              <a:rPr lang="en-US" dirty="0"/>
+              <a:t>Community of data model experts, developers, users</a:t>
+            </a:r>
+          </a:p>
+          <a:p>
+            <a:pPr lvl="2"/>
+            <a:r>
+              <a:rPr lang="en-US" dirty="0"/>
+              <a:t>Message for industry, not so much the general public</a:t>
+            </a:r>
+          </a:p>
+          <a:p>
+            <a:pPr lvl="2"/>
+            <a:r>
+              <a:rPr lang="en-US" dirty="0"/>
+              <a:t>you can start using it now</a:t>
+            </a:r>
+          </a:p>
+          <a:p>
+            <a:pPr lvl="2"/>
             <a:endParaRPr lang="en-US" dirty="0"/>
           </a:p>
         </p:txBody>
@@ -4434,7 +4510,7 @@
     </p:spTree>
     <p:extLst>
       <p:ext uri="{BB962C8B-B14F-4D97-AF65-F5344CB8AC3E}">
-        <p14:creationId xmlns:p14="http://schemas.microsoft.com/office/powerpoint/2010/main" val="1063644"/>
+        <p14:creationId xmlns:p14="http://schemas.microsoft.com/office/powerpoint/2010/main" val="842873565"/>
       </p:ext>
     </p:extLst>
   </p:cSld>
@@ -4466,7 +4542,7 @@
           <p:cNvPr id="2" name="Title 1">
             <a:extLst>
               <a:ext uri="{FF2B5EF4-FFF2-40B4-BE49-F238E27FC236}">
-                <a16:creationId xmlns:a16="http://schemas.microsoft.com/office/drawing/2014/main" id="{A8357C68-0446-9445-9608-0ADEDAE6FC0D}"/>
+                <a16:creationId xmlns:a16="http://schemas.microsoft.com/office/drawing/2014/main" id="{6ED61206-C84A-C84E-B701-FC50FAFD9BB1}"/>
               </a:ext>
             </a:extLst>
           </p:cNvPr>
@@ -4477,19 +4553,14 @@
             <p:ph type="title"/>
           </p:nvPr>
         </p:nvSpPr>
-        <p:spPr>
-          <a:xfrm>
-            <a:off x="628650" y="108272"/>
-            <a:ext cx="7886700" cy="1325563"/>
-          </a:xfrm>
-        </p:spPr>
-        <p:txBody>
-          <a:bodyPr/>
-          <a:lstStyle/>
-          <a:p>
-            <a:r>
-              <a:rPr lang="en-US" dirty="0"/>
-              <a:t>IPR Structure</a:t>
+        <p:spPr/>
+        <p:txBody>
+          <a:bodyPr/>
+          <a:lstStyle/>
+          <a:p>
+            <a:r>
+              <a:rPr lang="en-US" dirty="0"/>
+              <a:t>Where do ppl go?</a:t>
             </a:r>
           </a:p>
         </p:txBody>
@@ -4499,7 +4570,7 @@
           <p:cNvPr id="3" name="Content Placeholder 2">
             <a:extLst>
               <a:ext uri="{FF2B5EF4-FFF2-40B4-BE49-F238E27FC236}">
-                <a16:creationId xmlns:a16="http://schemas.microsoft.com/office/drawing/2014/main" id="{36B9EEBA-393D-1B4C-9E8F-9ED34B4F215F}"/>
+                <a16:creationId xmlns:a16="http://schemas.microsoft.com/office/drawing/2014/main" id="{0C486484-B7A6-824C-977A-7755D78F6DFD}"/>
               </a:ext>
             </a:extLst>
           </p:cNvPr>
@@ -4510,57 +4581,58 @@
             <p:ph idx="1"/>
           </p:nvPr>
         </p:nvSpPr>
-        <p:spPr>
-          <a:xfrm>
-            <a:off x="628650" y="1568771"/>
-            <a:ext cx="7886700" cy="4351338"/>
-          </a:xfrm>
-        </p:spPr>
+        <p:spPr/>
         <p:txBody>
           <a:bodyPr>
-            <a:normAutofit fontScale="92500" lnSpcReduction="20000"/>
+            <a:normAutofit lnSpcReduction="10000"/>
           </a:bodyPr>
           <a:lstStyle/>
           <a:p>
             <a:r>
-              <a:rPr lang="en-US" dirty="0"/>
-              <a:t>Legal umbrella was useful</a:t>
-            </a:r>
-          </a:p>
-          <a:p>
-            <a:r>
-              <a:rPr lang="en-US" dirty="0"/>
-              <a:t>OCF has an IPR structure that includes liaison</a:t>
-            </a:r>
-          </a:p>
-          <a:p>
-            <a:r>
-              <a:rPr lang="en-US" dirty="0"/>
-              <a:t>If we want a different IPR structure we need to create it</a:t>
-            </a:r>
-          </a:p>
-          <a:p>
-            <a:r>
-              <a:rPr lang="en-US" dirty="0"/>
-              <a:t>What do we need to say about IPR around data models?</a:t>
-            </a:r>
-          </a:p>
-          <a:p>
-            <a:r>
-              <a:rPr lang="en-US" dirty="0"/>
-              <a:t>Public proceedings impact on IPR agreement?</a:t>
-            </a:r>
-          </a:p>
-          <a:p>
-            <a:r>
-              <a:rPr lang="en-US" dirty="0"/>
-              <a:t>Cutoff date for liaison responsibility =&gt; separate public facing causeway</a:t>
-            </a:r>
-          </a:p>
-          <a:p>
-            <a:r>
-              <a:rPr lang="en-US" dirty="0"/>
-              <a:t>Don't shut down the liaison but move to a new public working mode – </a:t>
+              <a:rPr lang="en-US" dirty="0" err="1"/>
+              <a:t>Github</a:t>
+            </a:r>
+            <a:r>
+              <a:rPr lang="en-US" dirty="0"/>
+              <a:t> based</a:t>
+            </a:r>
+          </a:p>
+          <a:p>
+            <a:r>
+              <a:rPr lang="en-US" dirty="0"/>
+              <a:t>Web conferences can't go through GH</a:t>
+            </a:r>
+          </a:p>
+          <a:p>
+            <a:r>
+              <a:rPr lang="en-US" dirty="0" err="1"/>
+              <a:t>Iotliaison.org</a:t>
+            </a:r>
+            <a:r>
+              <a:rPr lang="en-US" dirty="0"/>
+              <a:t> is available</a:t>
+            </a:r>
+          </a:p>
+          <a:p>
+            <a:r>
+              <a:rPr lang="en-US" dirty="0"/>
+              <a:t>Stable URL/domain name</a:t>
+            </a:r>
+          </a:p>
+          <a:p>
+            <a:r>
+              <a:rPr lang="en-US" dirty="0" err="1"/>
+              <a:t>onedm.org</a:t>
+            </a:r>
+            <a:r>
+              <a:rPr lang="en-US" dirty="0"/>
+              <a:t> is ours – what do we want our public name to be?</a:t>
+            </a:r>
+          </a:p>
+          <a:p>
+            <a:r>
+              <a:rPr lang="en-US" dirty="0"/>
+              <a:t>Redirect to </a:t>
             </a:r>
             <a:r>
               <a:rPr lang="en-US" dirty="0" err="1"/>
@@ -4568,21 +4640,60 @@
             </a:r>
             <a:r>
               <a:rPr lang="en-US" dirty="0"/>
-              <a:t> collaboration site based</a:t>
-            </a:r>
-          </a:p>
-          <a:p>
-            <a:r>
-              <a:rPr lang="en-US" dirty="0"/>
-              <a:t>NDA/Liaison for collaboration around a contributor's internal work</a:t>
-            </a:r>
+              <a:t> pages</a:t>
+            </a:r>
+          </a:p>
+          <a:p>
+            <a:r>
+              <a:rPr lang="en-US" dirty="0"/>
+              <a:t>one-data-</a:t>
+            </a:r>
+            <a:r>
+              <a:rPr lang="en-US" dirty="0" err="1"/>
+              <a:t>model.github.io</a:t>
+            </a:r>
+            <a:r>
+              <a:rPr lang="en-US" dirty="0"/>
+              <a:t> </a:t>
+            </a:r>
+          </a:p>
+          <a:p>
+            <a:r>
+              <a:rPr lang="en-US" dirty="0"/>
+              <a:t>Look at </a:t>
+            </a:r>
+            <a:r>
+              <a:rPr lang="en-US" dirty="0" err="1"/>
+              <a:t>coap.technology</a:t>
+            </a:r>
+            <a:r>
+              <a:rPr lang="en-US" dirty="0"/>
+              <a:t> and </a:t>
+            </a:r>
+            <a:r>
+              <a:rPr lang="en-US" dirty="0" err="1"/>
+              <a:t>cbor.io</a:t>
+            </a:r>
+            <a:r>
+              <a:rPr lang="en-US" dirty="0"/>
+              <a:t> </a:t>
+            </a:r>
+          </a:p>
+          <a:p>
+            <a:pPr marL="0" indent="0">
+              <a:buNone/>
+            </a:pPr>
+            <a:endParaRPr lang="en-US" dirty="0"/>
+          </a:p>
+          <a:p>
+            <a:endParaRPr lang="en-US" dirty="0"/>
           </a:p>
         </p:txBody>
       </p:sp>
     </p:spTree>
     <p:extLst>
       <p:ext uri="{BB962C8B-B14F-4D97-AF65-F5344CB8AC3E}">
-        <p14:creationId xmlns:p14="http://schemas.microsoft.com/office/powerpoint/2010/main" val="3176223917"/>
+        <p14:creationId xmlns:p14="http://schemas.microsoft.com/office/powerpoint/2010/main" val="1063644"/>
       </p:ext>
     </p:extLst>
   </p:cSld>
@@ -4614,7 +4725,7 @@
           <p:cNvPr id="2" name="Title 1">
             <a:extLst>
               <a:ext uri="{FF2B5EF4-FFF2-40B4-BE49-F238E27FC236}">
-                <a16:creationId xmlns:a16="http://schemas.microsoft.com/office/drawing/2014/main" id="{6FBFA536-0148-5F47-ABF8-507421A49BB4}"/>
+                <a16:creationId xmlns:a16="http://schemas.microsoft.com/office/drawing/2014/main" id="{A8357C68-0446-9445-9608-0ADEDAE6FC0D}"/>
               </a:ext>
             </a:extLst>
           </p:cNvPr>
@@ -4625,14 +4736,19 @@
             <p:ph type="title"/>
           </p:nvPr>
         </p:nvSpPr>
-        <p:spPr/>
-        <p:txBody>
-          <a:bodyPr/>
-          <a:lstStyle/>
-          <a:p>
-            <a:r>
-              <a:rPr lang="en-US" dirty="0"/>
-              <a:t>New governance structure/policies</a:t>
+        <p:spPr>
+          <a:xfrm>
+            <a:off x="628650" y="108272"/>
+            <a:ext cx="7886700" cy="1325563"/>
+          </a:xfrm>
+        </p:spPr>
+        <p:txBody>
+          <a:bodyPr/>
+          <a:lstStyle/>
+          <a:p>
+            <a:r>
+              <a:rPr lang="en-US" dirty="0"/>
+              <a:t>IPR Structure</a:t>
             </a:r>
           </a:p>
         </p:txBody>
@@ -4642,7 +4758,7 @@
           <p:cNvPr id="3" name="Content Placeholder 2">
             <a:extLst>
               <a:ext uri="{FF2B5EF4-FFF2-40B4-BE49-F238E27FC236}">
-                <a16:creationId xmlns:a16="http://schemas.microsoft.com/office/drawing/2014/main" id="{9C71158B-7EE5-FE4C-B4E8-EDE60A5D2802}"/>
+                <a16:creationId xmlns:a16="http://schemas.microsoft.com/office/drawing/2014/main" id="{36B9EEBA-393D-1B4C-9E8F-9ED34B4F215F}"/>
               </a:ext>
             </a:extLst>
           </p:cNvPr>
@@ -4653,33 +4769,71 @@
             <p:ph idx="1"/>
           </p:nvPr>
         </p:nvSpPr>
-        <p:spPr/>
-        <p:txBody>
-          <a:bodyPr/>
-          <a:lstStyle/>
-          <a:p>
-            <a:r>
-              <a:rPr lang="en-US" dirty="0"/>
-              <a:t>Document: This is the intended approach</a:t>
-            </a:r>
-          </a:p>
-          <a:p>
-            <a:pPr lvl="1"/>
-            <a:r>
-              <a:rPr lang="en-US" dirty="0"/>
-              <a:t>policy reminder, contribution, BSD agreement, only public information, we don't do patent protection of any kind</a:t>
-            </a:r>
-          </a:p>
-          <a:p>
-            <a:r>
-              <a:rPr lang="en-US" dirty="0"/>
-              <a:t>Legal review of the statement we are making</a:t>
-            </a:r>
-          </a:p>
-          <a:p>
-            <a:r>
-              <a:rPr lang="en-US" dirty="0"/>
-              <a:t>Strawman statement, write it down</a:t>
+        <p:spPr>
+          <a:xfrm>
+            <a:off x="628650" y="1568771"/>
+            <a:ext cx="7886700" cy="4351338"/>
+          </a:xfrm>
+        </p:spPr>
+        <p:txBody>
+          <a:bodyPr>
+            <a:normAutofit fontScale="92500" lnSpcReduction="20000"/>
+          </a:bodyPr>
+          <a:lstStyle/>
+          <a:p>
+            <a:r>
+              <a:rPr lang="en-US" dirty="0"/>
+              <a:t>Legal umbrella was useful</a:t>
+            </a:r>
+          </a:p>
+          <a:p>
+            <a:r>
+              <a:rPr lang="en-US" dirty="0"/>
+              <a:t>OCF has an IPR structure that includes liaison</a:t>
+            </a:r>
+          </a:p>
+          <a:p>
+            <a:r>
+              <a:rPr lang="en-US" dirty="0"/>
+              <a:t>If we want a different IPR structure we need to create it</a:t>
+            </a:r>
+          </a:p>
+          <a:p>
+            <a:r>
+              <a:rPr lang="en-US" dirty="0"/>
+              <a:t>What do we need to say about IPR around data models?</a:t>
+            </a:r>
+          </a:p>
+          <a:p>
+            <a:r>
+              <a:rPr lang="en-US" dirty="0"/>
+              <a:t>Public proceedings impact on IPR agreement?</a:t>
+            </a:r>
+          </a:p>
+          <a:p>
+            <a:r>
+              <a:rPr lang="en-US" dirty="0"/>
+              <a:t>Cutoff date for liaison responsibility =&gt; separate public facing causeway</a:t>
+            </a:r>
+          </a:p>
+          <a:p>
+            <a:r>
+              <a:rPr lang="en-US" dirty="0"/>
+              <a:t>Don't shut down the liaison but move to a new public working mode – </a:t>
+            </a:r>
+            <a:r>
+              <a:rPr lang="en-US" dirty="0" err="1"/>
+              <a:t>github</a:t>
+            </a:r>
+            <a:r>
+              <a:rPr lang="en-US" dirty="0"/>
+              <a:t> collaboration site based</a:t>
+            </a:r>
+          </a:p>
+          <a:p>
+            <a:r>
+              <a:rPr lang="en-US" dirty="0"/>
+              <a:t>NDA/Liaison for collaboration around a contributor's internal work</a:t>
             </a:r>
           </a:p>
         </p:txBody>
@@ -4687,7 +4841,7 @@
     </p:spTree>
     <p:extLst>
       <p:ext uri="{BB962C8B-B14F-4D97-AF65-F5344CB8AC3E}">
-        <p14:creationId xmlns:p14="http://schemas.microsoft.com/office/powerpoint/2010/main" val="108245498"/>
+        <p14:creationId xmlns:p14="http://schemas.microsoft.com/office/powerpoint/2010/main" val="3176223917"/>
       </p:ext>
     </p:extLst>
   </p:cSld>
